--- a/PRONÓSTICO DEMANDA NIVEL GERENCIA.pptx
+++ b/PRONÓSTICO DEMANDA NIVEL GERENCIA.pptx
@@ -5,25 +5,27 @@
     <p:sldMasterId id="2147483648" r:id="rId4"/>
   </p:sldMasterIdLst>
   <p:notesMasterIdLst>
-    <p:notesMasterId r:id="rId18"/>
+    <p:notesMasterId r:id="rId20"/>
   </p:notesMasterIdLst>
   <p:handoutMasterIdLst>
-    <p:handoutMasterId r:id="rId19"/>
+    <p:handoutMasterId r:id="rId21"/>
   </p:handoutMasterIdLst>
   <p:sldIdLst>
     <p:sldId id="256" r:id="rId5"/>
-    <p:sldId id="257" r:id="rId6"/>
-    <p:sldId id="258" r:id="rId7"/>
-    <p:sldId id="259" r:id="rId8"/>
-    <p:sldId id="266" r:id="rId9"/>
-    <p:sldId id="262" r:id="rId10"/>
-    <p:sldId id="263" r:id="rId11"/>
-    <p:sldId id="268" r:id="rId12"/>
-    <p:sldId id="269" r:id="rId13"/>
-    <p:sldId id="270" r:id="rId14"/>
-    <p:sldId id="271" r:id="rId15"/>
-    <p:sldId id="261" r:id="rId16"/>
-    <p:sldId id="260" r:id="rId17"/>
+    <p:sldId id="272" r:id="rId6"/>
+    <p:sldId id="257" r:id="rId7"/>
+    <p:sldId id="258" r:id="rId8"/>
+    <p:sldId id="259" r:id="rId9"/>
+    <p:sldId id="266" r:id="rId10"/>
+    <p:sldId id="262" r:id="rId11"/>
+    <p:sldId id="263" r:id="rId12"/>
+    <p:sldId id="268" r:id="rId13"/>
+    <p:sldId id="269" r:id="rId14"/>
+    <p:sldId id="270" r:id="rId15"/>
+    <p:sldId id="271" r:id="rId16"/>
+    <p:sldId id="261" r:id="rId17"/>
+    <p:sldId id="260" r:id="rId18"/>
+    <p:sldId id="273" r:id="rId19"/>
   </p:sldIdLst>
   <p:sldSz cx="12192000" cy="6858000"/>
   <p:notesSz cx="6858000" cy="9144000"/>
@@ -5689,7 +5691,7 @@
             <a:fld id="{0A3C37BE-C303-496D-B5CD-85F2937540FC}" type="slidenum">
               <a:rPr lang="es-ES" smtClean="0"/>
               <a:pPr algn="r"/>
-              <a:t>10</a:t>
+              <a:t>11</a:t>
             </a:fld>
             <a:endParaRPr lang="es-ES" dirty="0"/>
           </a:p>
@@ -5775,7 +5777,7 @@
             <a:fld id="{0A3C37BE-C303-496D-B5CD-85F2937540FC}" type="slidenum">
               <a:rPr lang="es-ES" smtClean="0"/>
               <a:pPr algn="r"/>
-              <a:t>12</a:t>
+              <a:t>13</a:t>
             </a:fld>
             <a:endParaRPr lang="es-ES" dirty="0"/>
           </a:p>
@@ -5861,7 +5863,7 @@
             <a:fld id="{0A3C37BE-C303-496D-B5CD-85F2937540FC}" type="slidenum">
               <a:rPr lang="es-ES" smtClean="0"/>
               <a:pPr algn="r"/>
-              <a:t>13</a:t>
+              <a:t>14</a:t>
             </a:fld>
             <a:endParaRPr lang="es-ES" dirty="0"/>
           </a:p>
@@ -5947,7 +5949,7 @@
             <a:fld id="{0A3C37BE-C303-496D-B5CD-85F2937540FC}" type="slidenum">
               <a:rPr lang="es-ES" smtClean="0"/>
               <a:pPr algn="r"/>
-              <a:t>2</a:t>
+              <a:t>3</a:t>
             </a:fld>
             <a:endParaRPr lang="es-ES" dirty="0"/>
           </a:p>
@@ -6033,7 +6035,7 @@
             <a:fld id="{0A3C37BE-C303-496D-B5CD-85F2937540FC}" type="slidenum">
               <a:rPr lang="es-ES" smtClean="0"/>
               <a:pPr algn="r"/>
-              <a:t>3</a:t>
+              <a:t>4</a:t>
             </a:fld>
             <a:endParaRPr lang="es-ES" dirty="0"/>
           </a:p>
@@ -6119,7 +6121,7 @@
             <a:fld id="{0A3C37BE-C303-496D-B5CD-85F2937540FC}" type="slidenum">
               <a:rPr lang="es-ES" smtClean="0"/>
               <a:pPr algn="r"/>
-              <a:t>4</a:t>
+              <a:t>5</a:t>
             </a:fld>
             <a:endParaRPr lang="es-ES" dirty="0"/>
           </a:p>
@@ -6205,7 +6207,7 @@
             <a:fld id="{0A3C37BE-C303-496D-B5CD-85F2937540FC}" type="slidenum">
               <a:rPr lang="es-ES" smtClean="0"/>
               <a:pPr algn="r"/>
-              <a:t>5</a:t>
+              <a:t>6</a:t>
             </a:fld>
             <a:endParaRPr lang="es-ES" dirty="0"/>
           </a:p>
@@ -6291,7 +6293,7 @@
             <a:fld id="{0A3C37BE-C303-496D-B5CD-85F2937540FC}" type="slidenum">
               <a:rPr lang="es-ES" smtClean="0"/>
               <a:pPr algn="r"/>
-              <a:t>6</a:t>
+              <a:t>7</a:t>
             </a:fld>
             <a:endParaRPr lang="es-ES" dirty="0"/>
           </a:p>
@@ -6377,7 +6379,7 @@
             <a:fld id="{0A3C37BE-C303-496D-B5CD-85F2937540FC}" type="slidenum">
               <a:rPr lang="es-ES" smtClean="0"/>
               <a:pPr algn="r" rtl="0"/>
-              <a:t>7</a:t>
+              <a:t>8</a:t>
             </a:fld>
             <a:endParaRPr lang="es-ES" dirty="0"/>
           </a:p>
@@ -6463,7 +6465,7 @@
             <a:fld id="{0A3C37BE-C303-496D-B5CD-85F2937540FC}" type="slidenum">
               <a:rPr lang="es-ES" smtClean="0"/>
               <a:pPr algn="r"/>
-              <a:t>8</a:t>
+              <a:t>9</a:t>
             </a:fld>
             <a:endParaRPr lang="es-ES" dirty="0"/>
           </a:p>
@@ -6549,7 +6551,7 @@
             <a:fld id="{0A3C37BE-C303-496D-B5CD-85F2937540FC}" type="slidenum">
               <a:rPr lang="es-ES" smtClean="0"/>
               <a:pPr algn="r"/>
-              <a:t>9</a:t>
+              <a:t>10</a:t>
             </a:fld>
             <a:endParaRPr lang="es-ES" dirty="0"/>
           </a:p>
@@ -10940,19 +10942,21 @@
         </p:nvSpPr>
         <p:spPr>
           <a:xfrm>
-            <a:off x="839857" y="2292093"/>
-            <a:ext cx="5123622" cy="2219691"/>
+            <a:off x="356898" y="2286762"/>
+            <a:ext cx="5943818" cy="2219691"/>
           </a:xfrm>
         </p:spPr>
         <p:txBody>
-          <a:bodyPr rtlCol="0" anchor="ctr"/>
+          <a:bodyPr rtlCol="0" anchor="ctr">
+            <a:normAutofit fontScale="90000"/>
+          </a:bodyPr>
           <a:lstStyle/>
           <a:p>
-            <a:pPr rtl="0"/>
             <a:r>
-              <a:rPr lang="es-ES" dirty="0"/>
-              <a:t>PRONÓSTICO DEMANDA NIVEL GERENCIA</a:t>
+              <a:rPr lang="es-US" b="1" dirty="0"/>
+              <a:t>Pronóstico general del sistema eléctrico GCROC</a:t>
             </a:r>
+            <a:endParaRPr lang="es-US" dirty="0"/>
           </a:p>
         </p:txBody>
       </p:sp>
@@ -11020,6 +11024,77 @@
           </a:prstGeom>
         </p:spPr>
       </p:pic>
+      <p:pic>
+        <p:nvPicPr>
+          <p:cNvPr id="3" name="Imagen 2" descr="Imagen que contiene dibujo&#10;&#10;Descripción generada automáticamente">
+            <a:extLst>
+              <a:ext uri="{FF2B5EF4-FFF2-40B4-BE49-F238E27FC236}">
+                <a16:creationId xmlns:a16="http://schemas.microsoft.com/office/drawing/2014/main" id="{C86FE5BD-CB6E-428B-989B-A9A620F32BE1}"/>
+              </a:ext>
+            </a:extLst>
+          </p:cNvPr>
+          <p:cNvPicPr>
+            <a:picLocks noChangeAspect="1"/>
+          </p:cNvPicPr>
+          <p:nvPr/>
+        </p:nvPicPr>
+        <p:blipFill>
+          <a:blip r:embed="rId4" cstate="print">
+            <a:extLst>
+              <a:ext uri="{28A0092B-C50C-407E-A947-70E740481C1C}">
+                <a14:useLocalDpi xmlns:a14="http://schemas.microsoft.com/office/drawing/2010/main" val="0"/>
+              </a:ext>
+            </a:extLst>
+          </a:blip>
+          <a:stretch>
+            <a:fillRect/>
+          </a:stretch>
+        </p:blipFill>
+        <p:spPr>
+          <a:xfrm>
+            <a:off x="9872870" y="-13253"/>
+            <a:ext cx="2074582" cy="955565"/>
+          </a:xfrm>
+          <a:prstGeom prst="rect">
+            <a:avLst/>
+          </a:prstGeom>
+        </p:spPr>
+      </p:pic>
+      <p:pic>
+        <p:nvPicPr>
+          <p:cNvPr id="8" name="Imagen 7" descr="Imagen que contiene dibujo, tabla&#10;&#10;Descripción generada automáticamente">
+            <a:extLst>
+              <a:ext uri="{FF2B5EF4-FFF2-40B4-BE49-F238E27FC236}">
+                <a16:creationId xmlns:a16="http://schemas.microsoft.com/office/drawing/2014/main" id="{5664856C-A6B3-41BA-8927-C966780097EB}"/>
+              </a:ext>
+            </a:extLst>
+          </p:cNvPr>
+          <p:cNvPicPr>
+            <a:picLocks noChangeAspect="1"/>
+          </p:cNvPicPr>
+          <p:nvPr/>
+        </p:nvPicPr>
+        <p:blipFill rotWithShape="1">
+          <a:blip r:embed="rId5" cstate="print">
+            <a:extLst>
+              <a:ext uri="{28A0092B-C50C-407E-A947-70E740481C1C}">
+                <a14:useLocalDpi xmlns:a14="http://schemas.microsoft.com/office/drawing/2010/main" val="0"/>
+              </a:ext>
+            </a:extLst>
+          </a:blip>
+          <a:srcRect l="65815" r="5620"/>
+          <a:stretch/>
+        </p:blipFill>
+        <p:spPr>
+          <a:xfrm>
+            <a:off x="7829068" y="-13252"/>
+            <a:ext cx="1801506" cy="955565"/>
+          </a:xfrm>
+          <a:prstGeom prst="rect">
+            <a:avLst/>
+          </a:prstGeom>
+        </p:spPr>
+      </p:pic>
     </p:spTree>
     <p:extLst>
       <p:ext uri="{BB962C8B-B14F-4D97-AF65-F5344CB8AC3E}">
@@ -11046,6 +11121,187 @@
 </file>
 
 <file path=ppt/slides/slide10.xml><?xml version="1.0" encoding="utf-8"?>
+<p:sld xmlns:a="http://schemas.openxmlformats.org/drawingml/2006/main" xmlns:r="http://schemas.openxmlformats.org/officeDocument/2006/relationships" xmlns:p="http://schemas.openxmlformats.org/presentationml/2006/main">
+  <p:cSld>
+    <p:spTree>
+      <p:nvGrpSpPr>
+        <p:cNvPr id="1" name=""/>
+        <p:cNvGrpSpPr/>
+        <p:nvPr/>
+      </p:nvGrpSpPr>
+      <p:grpSpPr>
+        <a:xfrm>
+          <a:off x="0" y="0"/>
+          <a:ext cx="0" cy="0"/>
+          <a:chOff x="0" y="0"/>
+          <a:chExt cx="0" cy="0"/>
+        </a:xfrm>
+      </p:grpSpPr>
+      <p:sp>
+        <p:nvSpPr>
+          <p:cNvPr id="2" name="Título 1"/>
+          <p:cNvSpPr>
+            <a:spLocks noGrp="1"/>
+          </p:cNvSpPr>
+          <p:nvPr>
+            <p:ph type="title"/>
+          </p:nvPr>
+        </p:nvSpPr>
+        <p:spPr/>
+        <p:txBody>
+          <a:bodyPr rtlCol="0"/>
+          <a:lstStyle/>
+          <a:p>
+            <a:pPr rtl="0"/>
+            <a:r>
+              <a:rPr lang="es-ES" dirty="0"/>
+              <a:t>AR sobre residuales de regresión</a:t>
+            </a:r>
+          </a:p>
+        </p:txBody>
+      </p:sp>
+      <p:sp>
+        <p:nvSpPr>
+          <p:cNvPr id="3" name="Marcador de posición de texto 2"/>
+          <p:cNvSpPr>
+            <a:spLocks noGrp="1"/>
+          </p:cNvSpPr>
+          <p:nvPr>
+            <p:ph type="body" idx="1"/>
+          </p:nvPr>
+        </p:nvSpPr>
+        <p:spPr>
+          <a:xfrm>
+            <a:off x="2682062" y="1600200"/>
+            <a:ext cx="1856936" cy="823912"/>
+          </a:xfrm>
+        </p:spPr>
+        <p:txBody>
+          <a:bodyPr rtlCol="0"/>
+          <a:lstStyle/>
+          <a:p>
+            <a:pPr rtl="0"/>
+            <a:r>
+              <a:rPr lang="es-ES" dirty="0"/>
+              <a:t>Residuales</a:t>
+            </a:r>
+          </a:p>
+        </p:txBody>
+      </p:sp>
+      <p:sp>
+        <p:nvSpPr>
+          <p:cNvPr id="5" name="Marcador de posición de texto 4"/>
+          <p:cNvSpPr>
+            <a:spLocks noGrp="1"/>
+          </p:cNvSpPr>
+          <p:nvPr>
+            <p:ph type="body" sz="quarter" idx="3"/>
+          </p:nvPr>
+        </p:nvSpPr>
+        <p:spPr>
+          <a:xfrm>
+            <a:off x="7050202" y="1543929"/>
+            <a:ext cx="4919472" cy="823912"/>
+          </a:xfrm>
+        </p:spPr>
+        <p:txBody>
+          <a:bodyPr rtlCol="0"/>
+          <a:lstStyle/>
+          <a:p>
+            <a:pPr rtl="0"/>
+            <a:r>
+              <a:rPr lang="es-ES" dirty="0"/>
+              <a:t>AR (1) sobre residuales</a:t>
+            </a:r>
+          </a:p>
+        </p:txBody>
+      </p:sp>
+      <p:pic>
+        <p:nvPicPr>
+          <p:cNvPr id="9" name="Imagen 8">
+            <a:extLst>
+              <a:ext uri="{FF2B5EF4-FFF2-40B4-BE49-F238E27FC236}">
+                <a16:creationId xmlns:a16="http://schemas.microsoft.com/office/drawing/2014/main" id="{27047667-009A-4838-AC6C-8A0AB4FF388B}"/>
+              </a:ext>
+            </a:extLst>
+          </p:cNvPr>
+          <p:cNvPicPr>
+            <a:picLocks noChangeAspect="1"/>
+          </p:cNvPicPr>
+          <p:nvPr/>
+        </p:nvPicPr>
+        <p:blipFill>
+          <a:blip r:embed="rId3"/>
+          <a:stretch>
+            <a:fillRect/>
+          </a:stretch>
+        </p:blipFill>
+        <p:spPr>
+          <a:xfrm>
+            <a:off x="681800" y="2509759"/>
+            <a:ext cx="5180765" cy="3233297"/>
+          </a:xfrm>
+          <a:prstGeom prst="rect">
+            <a:avLst/>
+          </a:prstGeom>
+        </p:spPr>
+      </p:pic>
+      <p:pic>
+        <p:nvPicPr>
+          <p:cNvPr id="12" name="Imagen 11">
+            <a:extLst>
+              <a:ext uri="{FF2B5EF4-FFF2-40B4-BE49-F238E27FC236}">
+                <a16:creationId xmlns:a16="http://schemas.microsoft.com/office/drawing/2014/main" id="{8B08B173-F531-43C8-8D1D-9449C40D4D50}"/>
+              </a:ext>
+            </a:extLst>
+          </p:cNvPr>
+          <p:cNvPicPr>
+            <a:picLocks noChangeAspect="1"/>
+          </p:cNvPicPr>
+          <p:nvPr/>
+        </p:nvPicPr>
+        <p:blipFill>
+          <a:blip r:embed="rId4"/>
+          <a:stretch>
+            <a:fillRect/>
+          </a:stretch>
+        </p:blipFill>
+        <p:spPr>
+          <a:xfrm>
+            <a:off x="6166110" y="2583758"/>
+            <a:ext cx="4919472" cy="3085298"/>
+          </a:xfrm>
+          <a:prstGeom prst="rect">
+            <a:avLst/>
+          </a:prstGeom>
+        </p:spPr>
+      </p:pic>
+    </p:spTree>
+    <p:extLst>
+      <p:ext uri="{BB962C8B-B14F-4D97-AF65-F5344CB8AC3E}">
+        <p14:creationId xmlns:p14="http://schemas.microsoft.com/office/powerpoint/2010/main" val="293915148"/>
+      </p:ext>
+    </p:extLst>
+  </p:cSld>
+  <p:clrMapOvr>
+    <a:masterClrMapping/>
+  </p:clrMapOvr>
+  <mc:AlternateContent xmlns:mc="http://schemas.openxmlformats.org/markup-compatibility/2006" xmlns:p14="http://schemas.microsoft.com/office/powerpoint/2010/main">
+    <mc:Choice Requires="p14">
+      <p:transition spd="med" p14:dur="700">
+        <p:fade/>
+      </p:transition>
+    </mc:Choice>
+    <mc:Fallback xmlns="">
+      <p:transition spd="med">
+        <p:fade/>
+      </p:transition>
+    </mc:Fallback>
+  </mc:AlternateContent>
+</p:sld>
+</file>
+
+<file path=ppt/slides/slide11.xml><?xml version="1.0" encoding="utf-8"?>
 <p:sld xmlns:a="http://schemas.openxmlformats.org/drawingml/2006/main" xmlns:r="http://schemas.openxmlformats.org/officeDocument/2006/relationships" xmlns:p="http://schemas.openxmlformats.org/presentationml/2006/main">
   <p:cSld>
     <p:spTree>
@@ -11273,7 +11529,7 @@
 </p:sld>
 </file>
 
-<file path=ppt/slides/slide11.xml><?xml version="1.0" encoding="utf-8"?>
+<file path=ppt/slides/slide12.xml><?xml version="1.0" encoding="utf-8"?>
 <p:sld xmlns:a="http://schemas.openxmlformats.org/drawingml/2006/main" xmlns:r="http://schemas.openxmlformats.org/officeDocument/2006/relationships" xmlns:p="http://schemas.openxmlformats.org/presentationml/2006/main">
   <p:cSld>
     <p:spTree>
@@ -11583,7 +11839,7 @@
 </p:sld>
 </file>
 
-<file path=ppt/slides/slide12.xml><?xml version="1.0" encoding="utf-8"?>
+<file path=ppt/slides/slide13.xml><?xml version="1.0" encoding="utf-8"?>
 <p:sld xmlns:a="http://schemas.openxmlformats.org/drawingml/2006/main" xmlns:r="http://schemas.openxmlformats.org/officeDocument/2006/relationships" xmlns:p="http://schemas.openxmlformats.org/presentationml/2006/main">
   <p:cSld>
     <p:spTree>
@@ -11720,7 +11976,7 @@
 </p:sld>
 </file>
 
-<file path=ppt/slides/slide13.xml><?xml version="1.0" encoding="utf-8"?>
+<file path=ppt/slides/slide14.xml><?xml version="1.0" encoding="utf-8"?>
 <p:sld xmlns:a="http://schemas.openxmlformats.org/drawingml/2006/main" xmlns:r="http://schemas.openxmlformats.org/officeDocument/2006/relationships" xmlns:p="http://schemas.openxmlformats.org/presentationml/2006/main">
   <p:cSld>
     <p:spTree>
@@ -11810,7 +12066,361 @@
 </p:sld>
 </file>
 
+<file path=ppt/slides/slide15.xml><?xml version="1.0" encoding="utf-8"?>
+<p:sld xmlns:a="http://schemas.openxmlformats.org/drawingml/2006/main" xmlns:r="http://schemas.openxmlformats.org/officeDocument/2006/relationships" xmlns:p="http://schemas.openxmlformats.org/presentationml/2006/main">
+  <p:cSld>
+    <p:spTree>
+      <p:nvGrpSpPr>
+        <p:cNvPr id="1" name=""/>
+        <p:cNvGrpSpPr/>
+        <p:nvPr/>
+      </p:nvGrpSpPr>
+      <p:grpSpPr>
+        <a:xfrm>
+          <a:off x="0" y="0"/>
+          <a:ext cx="0" cy="0"/>
+          <a:chOff x="0" y="0"/>
+          <a:chExt cx="0" cy="0"/>
+        </a:xfrm>
+      </p:grpSpPr>
+      <p:sp>
+        <p:nvSpPr>
+          <p:cNvPr id="2" name="Título 1">
+            <a:extLst>
+              <a:ext uri="{FF2B5EF4-FFF2-40B4-BE49-F238E27FC236}">
+                <a16:creationId xmlns:a16="http://schemas.microsoft.com/office/drawing/2014/main" id="{51C091C5-339E-4D33-B0E1-BA38357240F1}"/>
+              </a:ext>
+            </a:extLst>
+          </p:cNvPr>
+          <p:cNvSpPr>
+            <a:spLocks noGrp="1"/>
+          </p:cNvSpPr>
+          <p:nvPr>
+            <p:ph type="ctrTitle"/>
+          </p:nvPr>
+        </p:nvSpPr>
+        <p:spPr>
+          <a:xfrm>
+            <a:off x="2893944" y="981291"/>
+            <a:ext cx="3944178" cy="1445019"/>
+          </a:xfrm>
+        </p:spPr>
+        <p:txBody>
+          <a:bodyPr/>
+          <a:lstStyle/>
+          <a:p>
+            <a:r>
+              <a:rPr lang="es-US" dirty="0"/>
+              <a:t>¿Qué sigue?</a:t>
+            </a:r>
+          </a:p>
+        </p:txBody>
+      </p:sp>
+      <p:sp>
+        <p:nvSpPr>
+          <p:cNvPr id="3" name="Subtítulo 2">
+            <a:extLst>
+              <a:ext uri="{FF2B5EF4-FFF2-40B4-BE49-F238E27FC236}">
+                <a16:creationId xmlns:a16="http://schemas.microsoft.com/office/drawing/2014/main" id="{04B8281B-7086-4374-9E5C-281675A72ADD}"/>
+              </a:ext>
+            </a:extLst>
+          </p:cNvPr>
+          <p:cNvSpPr>
+            <a:spLocks noGrp="1"/>
+          </p:cNvSpPr>
+          <p:nvPr>
+            <p:ph type="subTitle" idx="1"/>
+          </p:nvPr>
+        </p:nvSpPr>
+        <p:spPr>
+          <a:xfrm>
+            <a:off x="1047749" y="2669733"/>
+            <a:ext cx="10096501" cy="2432354"/>
+          </a:xfrm>
+        </p:spPr>
+        <p:txBody>
+          <a:bodyPr>
+            <a:normAutofit/>
+          </a:bodyPr>
+          <a:lstStyle/>
+          <a:p>
+            <a:r>
+              <a:rPr lang="es-US" dirty="0"/>
+              <a:t>Se espera que, con este proyecto, el CENACE se pueda enfocar en pronosticar los días considerados atípicos para el modelo, teniendo ya un modelo que pronostique el resto de los días.</a:t>
+            </a:r>
+          </a:p>
+          <a:p>
+            <a:endParaRPr lang="es-US" dirty="0"/>
+          </a:p>
+          <a:p>
+            <a:endParaRPr lang="es-US" dirty="0"/>
+          </a:p>
+          <a:p>
+            <a:r>
+              <a:rPr lang="es-US" dirty="0"/>
+              <a:t>Realizar un análisis de los días festivos por separado, tomando en cuenta los días </a:t>
+            </a:r>
+            <a:r>
+              <a:rPr lang="es-US" dirty="0" err="1"/>
+              <a:t>pre-festivos</a:t>
+            </a:r>
+            <a:r>
+              <a:rPr lang="es-US" dirty="0"/>
+              <a:t>, festivos y </a:t>
+            </a:r>
+            <a:r>
+              <a:rPr lang="es-US" dirty="0" err="1"/>
+              <a:t>post-festivos</a:t>
+            </a:r>
+            <a:endParaRPr lang="es-US" dirty="0"/>
+          </a:p>
+          <a:p>
+            <a:endParaRPr lang="es-US" dirty="0"/>
+          </a:p>
+        </p:txBody>
+      </p:sp>
+    </p:spTree>
+    <p:extLst>
+      <p:ext uri="{BB962C8B-B14F-4D97-AF65-F5344CB8AC3E}">
+        <p14:creationId xmlns:p14="http://schemas.microsoft.com/office/powerpoint/2010/main" val="2028233436"/>
+      </p:ext>
+    </p:extLst>
+  </p:cSld>
+  <p:clrMapOvr>
+    <a:masterClrMapping/>
+  </p:clrMapOvr>
+  <mc:AlternateContent xmlns:mc="http://schemas.openxmlformats.org/markup-compatibility/2006" xmlns:p14="http://schemas.microsoft.com/office/powerpoint/2010/main">
+    <mc:Choice Requires="p14">
+      <p:transition spd="med" p14:dur="700">
+        <p:fade/>
+      </p:transition>
+    </mc:Choice>
+    <mc:Fallback xmlns="">
+      <p:transition spd="med">
+        <p:fade/>
+      </p:transition>
+    </mc:Fallback>
+  </mc:AlternateContent>
+</p:sld>
+</file>
+
 <file path=ppt/slides/slide2.xml><?xml version="1.0" encoding="utf-8"?>
+<p:sld xmlns:a="http://schemas.openxmlformats.org/drawingml/2006/main" xmlns:r="http://schemas.openxmlformats.org/officeDocument/2006/relationships" xmlns:p="http://schemas.openxmlformats.org/presentationml/2006/main">
+  <p:cSld>
+    <p:spTree>
+      <p:nvGrpSpPr>
+        <p:cNvPr id="1" name=""/>
+        <p:cNvGrpSpPr/>
+        <p:nvPr/>
+      </p:nvGrpSpPr>
+      <p:grpSpPr>
+        <a:xfrm>
+          <a:off x="0" y="0"/>
+          <a:ext cx="0" cy="0"/>
+          <a:chOff x="0" y="0"/>
+          <a:chExt cx="0" cy="0"/>
+        </a:xfrm>
+      </p:grpSpPr>
+      <p:sp>
+        <p:nvSpPr>
+          <p:cNvPr id="2" name="Título 1">
+            <a:extLst>
+              <a:ext uri="{FF2B5EF4-FFF2-40B4-BE49-F238E27FC236}">
+                <a16:creationId xmlns:a16="http://schemas.microsoft.com/office/drawing/2014/main" id="{8D95B612-27A9-473C-B8B3-4DC5935FF8B6}"/>
+              </a:ext>
+            </a:extLst>
+          </p:cNvPr>
+          <p:cNvSpPr>
+            <a:spLocks noGrp="1"/>
+          </p:cNvSpPr>
+          <p:nvPr>
+            <p:ph type="ctrTitle"/>
+          </p:nvPr>
+        </p:nvSpPr>
+        <p:spPr>
+          <a:xfrm>
+            <a:off x="3228975" y="763545"/>
+            <a:ext cx="5734050" cy="2219691"/>
+          </a:xfrm>
+        </p:spPr>
+        <p:txBody>
+          <a:bodyPr/>
+          <a:lstStyle/>
+          <a:p>
+            <a:r>
+              <a:rPr lang="es-US" dirty="0"/>
+              <a:t>OBJETIVOS</a:t>
+            </a:r>
+          </a:p>
+        </p:txBody>
+      </p:sp>
+      <p:sp>
+        <p:nvSpPr>
+          <p:cNvPr id="3" name="Subtítulo 2">
+            <a:extLst>
+              <a:ext uri="{FF2B5EF4-FFF2-40B4-BE49-F238E27FC236}">
+                <a16:creationId xmlns:a16="http://schemas.microsoft.com/office/drawing/2014/main" id="{A9D3F018-BFCE-49B3-B36A-54BC8FD80153}"/>
+              </a:ext>
+            </a:extLst>
+          </p:cNvPr>
+          <p:cNvSpPr>
+            <a:spLocks noGrp="1"/>
+          </p:cNvSpPr>
+          <p:nvPr>
+            <p:ph type="subTitle" idx="1"/>
+          </p:nvPr>
+        </p:nvSpPr>
+        <p:spPr>
+          <a:xfrm>
+            <a:off x="1418799" y="2655687"/>
+            <a:ext cx="5609798" cy="2407631"/>
+          </a:xfrm>
+        </p:spPr>
+        <p:txBody>
+          <a:bodyPr>
+            <a:normAutofit/>
+          </a:bodyPr>
+          <a:lstStyle/>
+          <a:p>
+            <a:pPr marL="285750" lvl="0" indent="-285750">
+              <a:buFont typeface="Arial" panose="020B0604020202020204" pitchFamily="34" charset="0"/>
+              <a:buChar char="•"/>
+            </a:pPr>
+            <a:r>
+              <a:rPr lang="es-US" dirty="0"/>
+              <a:t>Analizar la serie de tiempo de la demanda de energía.</a:t>
+            </a:r>
+          </a:p>
+          <a:p>
+            <a:pPr lvl="0"/>
+            <a:endParaRPr lang="es-US" dirty="0"/>
+          </a:p>
+          <a:p>
+            <a:pPr marL="285750" lvl="0" indent="-285750">
+              <a:buFont typeface="Arial" panose="020B0604020202020204" pitchFamily="34" charset="0"/>
+              <a:buChar char="•"/>
+            </a:pPr>
+            <a:r>
+              <a:rPr lang="es-US" dirty="0"/>
+              <a:t>Crear un modelo para pronosticar demanda de energía.</a:t>
+            </a:r>
+          </a:p>
+          <a:p>
+            <a:pPr lvl="0"/>
+            <a:endParaRPr lang="es-US" dirty="0"/>
+          </a:p>
+          <a:p>
+            <a:pPr marL="285750" lvl="0" indent="-285750">
+              <a:buFont typeface="Arial" panose="020B0604020202020204" pitchFamily="34" charset="0"/>
+              <a:buChar char="•"/>
+            </a:pPr>
+            <a:r>
+              <a:rPr lang="es-US" dirty="0"/>
+              <a:t>Reducir el error de los pronósticos del modelo creado.</a:t>
+            </a:r>
+          </a:p>
+          <a:p>
+            <a:endParaRPr lang="es-US" dirty="0"/>
+          </a:p>
+        </p:txBody>
+      </p:sp>
+      <p:pic>
+        <p:nvPicPr>
+          <p:cNvPr id="5" name="Imagen 4" descr="Imagen que contiene dibujo, tabla&#10;&#10;Descripción generada automáticamente">
+            <a:extLst>
+              <a:ext uri="{FF2B5EF4-FFF2-40B4-BE49-F238E27FC236}">
+                <a16:creationId xmlns:a16="http://schemas.microsoft.com/office/drawing/2014/main" id="{D7611174-A108-41B2-A12B-4192370EAEE7}"/>
+              </a:ext>
+            </a:extLst>
+          </p:cNvPr>
+          <p:cNvPicPr>
+            <a:picLocks noChangeAspect="1"/>
+          </p:cNvPicPr>
+          <p:nvPr/>
+        </p:nvPicPr>
+        <p:blipFill rotWithShape="1">
+          <a:blip r:embed="rId2" cstate="print">
+            <a:extLst>
+              <a:ext uri="{28A0092B-C50C-407E-A947-70E740481C1C}">
+                <a14:useLocalDpi xmlns:a14="http://schemas.microsoft.com/office/drawing/2010/main" val="0"/>
+              </a:ext>
+            </a:extLst>
+          </a:blip>
+          <a:srcRect l="65815" r="5620"/>
+          <a:stretch/>
+        </p:blipFill>
+        <p:spPr>
+          <a:xfrm>
+            <a:off x="7829068" y="-13252"/>
+            <a:ext cx="1801506" cy="955565"/>
+          </a:xfrm>
+          <a:prstGeom prst="rect">
+            <a:avLst/>
+          </a:prstGeom>
+        </p:spPr>
+      </p:pic>
+      <p:pic>
+        <p:nvPicPr>
+          <p:cNvPr id="6" name="Imagen 5" descr="Imagen que contiene dibujo&#10;&#10;Descripción generada automáticamente">
+            <a:extLst>
+              <a:ext uri="{FF2B5EF4-FFF2-40B4-BE49-F238E27FC236}">
+                <a16:creationId xmlns:a16="http://schemas.microsoft.com/office/drawing/2014/main" id="{725FD9D5-F2EA-4012-8C39-58F101241143}"/>
+              </a:ext>
+            </a:extLst>
+          </p:cNvPr>
+          <p:cNvPicPr>
+            <a:picLocks noChangeAspect="1"/>
+          </p:cNvPicPr>
+          <p:nvPr/>
+        </p:nvPicPr>
+        <p:blipFill>
+          <a:blip r:embed="rId3" cstate="print">
+            <a:extLst>
+              <a:ext uri="{28A0092B-C50C-407E-A947-70E740481C1C}">
+                <a14:useLocalDpi xmlns:a14="http://schemas.microsoft.com/office/drawing/2010/main" val="0"/>
+              </a:ext>
+            </a:extLst>
+          </a:blip>
+          <a:stretch>
+            <a:fillRect/>
+          </a:stretch>
+        </p:blipFill>
+        <p:spPr>
+          <a:xfrm>
+            <a:off x="9872870" y="-13253"/>
+            <a:ext cx="2074582" cy="955565"/>
+          </a:xfrm>
+          <a:prstGeom prst="rect">
+            <a:avLst/>
+          </a:prstGeom>
+        </p:spPr>
+      </p:pic>
+    </p:spTree>
+    <p:extLst>
+      <p:ext uri="{BB962C8B-B14F-4D97-AF65-F5344CB8AC3E}">
+        <p14:creationId xmlns:p14="http://schemas.microsoft.com/office/powerpoint/2010/main" val="602664375"/>
+      </p:ext>
+    </p:extLst>
+  </p:cSld>
+  <p:clrMapOvr>
+    <a:masterClrMapping/>
+  </p:clrMapOvr>
+  <mc:AlternateContent xmlns:mc="http://schemas.openxmlformats.org/markup-compatibility/2006" xmlns:p14="http://schemas.microsoft.com/office/powerpoint/2010/main">
+    <mc:Choice Requires="p14">
+      <p:transition spd="med" p14:dur="700">
+        <p:fade/>
+      </p:transition>
+    </mc:Choice>
+    <mc:Fallback xmlns="">
+      <p:transition spd="med">
+        <p:fade/>
+      </p:transition>
+    </mc:Fallback>
+  </mc:AlternateContent>
+</p:sld>
+</file>
+
+<file path=ppt/slides/slide3.xml><?xml version="1.0" encoding="utf-8"?>
 <p:sld xmlns:a="http://schemas.openxmlformats.org/drawingml/2006/main" xmlns:r="http://schemas.openxmlformats.org/officeDocument/2006/relationships" xmlns:p="http://schemas.openxmlformats.org/presentationml/2006/main">
   <p:cSld>
     <p:spTree>
@@ -12302,7 +12912,7 @@
 </p:sld>
 </file>
 
-<file path=ppt/slides/slide3.xml><?xml version="1.0" encoding="utf-8"?>
+<file path=ppt/slides/slide4.xml><?xml version="1.0" encoding="utf-8"?>
 <p:sld xmlns:a="http://schemas.openxmlformats.org/drawingml/2006/main" xmlns:r="http://schemas.openxmlformats.org/officeDocument/2006/relationships" xmlns:p="http://schemas.openxmlformats.org/presentationml/2006/main">
   <p:cSld>
     <p:bg>
@@ -12416,7 +13026,7 @@
 </p:sld>
 </file>
 
-<file path=ppt/slides/slide4.xml><?xml version="1.0" encoding="utf-8"?>
+<file path=ppt/slides/slide5.xml><?xml version="1.0" encoding="utf-8"?>
 <p:sld xmlns:a="http://schemas.openxmlformats.org/drawingml/2006/main" xmlns:r="http://schemas.openxmlformats.org/officeDocument/2006/relationships" xmlns:p="http://schemas.openxmlformats.org/presentationml/2006/main">
   <p:cSld>
     <p:spTree>
@@ -16068,7 +16678,7 @@
 </p:sld>
 </file>
 
-<file path=ppt/slides/slide5.xml><?xml version="1.0" encoding="utf-8"?>
+<file path=ppt/slides/slide6.xml><?xml version="1.0" encoding="utf-8"?>
 <p:sld xmlns:a="http://schemas.openxmlformats.org/drawingml/2006/main" xmlns:r="http://schemas.openxmlformats.org/officeDocument/2006/relationships" xmlns:p="http://schemas.openxmlformats.org/presentationml/2006/main">
   <p:cSld>
     <p:spTree>
@@ -16225,7 +16835,7 @@
 </p:sld>
 </file>
 
-<file path=ppt/slides/slide6.xml><?xml version="1.0" encoding="utf-8"?>
+<file path=ppt/slides/slide7.xml><?xml version="1.0" encoding="utf-8"?>
 <p:sld xmlns:a="http://schemas.openxmlformats.org/drawingml/2006/main" xmlns:r="http://schemas.openxmlformats.org/officeDocument/2006/relationships" xmlns:p="http://schemas.openxmlformats.org/presentationml/2006/main">
   <p:cSld>
     <p:spTree>
@@ -16410,7 +17020,7 @@
 </p:sld>
 </file>
 
-<file path=ppt/slides/slide7.xml><?xml version="1.0" encoding="utf-8"?>
+<file path=ppt/slides/slide8.xml><?xml version="1.0" encoding="utf-8"?>
 <p:sld xmlns:a="http://schemas.openxmlformats.org/drawingml/2006/main" xmlns:r="http://schemas.openxmlformats.org/officeDocument/2006/relationships" xmlns:p="http://schemas.openxmlformats.org/presentationml/2006/main">
   <p:cSld>
     <p:bg>
@@ -16578,7 +17188,7 @@
 </p:sld>
 </file>
 
-<file path=ppt/slides/slide8.xml><?xml version="1.0" encoding="utf-8"?>
+<file path=ppt/slides/slide9.xml><?xml version="1.0" encoding="utf-8"?>
 <p:sld xmlns:a="http://schemas.openxmlformats.org/drawingml/2006/main" xmlns:r="http://schemas.openxmlformats.org/officeDocument/2006/relationships" xmlns:p="http://schemas.openxmlformats.org/presentationml/2006/main">
   <p:cSld>
     <p:spTree>
@@ -16771,187 +17381,6 @@
     <p:extLst>
       <p:ext uri="{BB962C8B-B14F-4D97-AF65-F5344CB8AC3E}">
         <p14:creationId xmlns:p14="http://schemas.microsoft.com/office/powerpoint/2010/main" val="1315647518"/>
-      </p:ext>
-    </p:extLst>
-  </p:cSld>
-  <p:clrMapOvr>
-    <a:masterClrMapping/>
-  </p:clrMapOvr>
-  <mc:AlternateContent xmlns:mc="http://schemas.openxmlformats.org/markup-compatibility/2006" xmlns:p14="http://schemas.microsoft.com/office/powerpoint/2010/main">
-    <mc:Choice Requires="p14">
-      <p:transition spd="med" p14:dur="700">
-        <p:fade/>
-      </p:transition>
-    </mc:Choice>
-    <mc:Fallback xmlns="">
-      <p:transition spd="med">
-        <p:fade/>
-      </p:transition>
-    </mc:Fallback>
-  </mc:AlternateContent>
-</p:sld>
-</file>
-
-<file path=ppt/slides/slide9.xml><?xml version="1.0" encoding="utf-8"?>
-<p:sld xmlns:a="http://schemas.openxmlformats.org/drawingml/2006/main" xmlns:r="http://schemas.openxmlformats.org/officeDocument/2006/relationships" xmlns:p="http://schemas.openxmlformats.org/presentationml/2006/main">
-  <p:cSld>
-    <p:spTree>
-      <p:nvGrpSpPr>
-        <p:cNvPr id="1" name=""/>
-        <p:cNvGrpSpPr/>
-        <p:nvPr/>
-      </p:nvGrpSpPr>
-      <p:grpSpPr>
-        <a:xfrm>
-          <a:off x="0" y="0"/>
-          <a:ext cx="0" cy="0"/>
-          <a:chOff x="0" y="0"/>
-          <a:chExt cx="0" cy="0"/>
-        </a:xfrm>
-      </p:grpSpPr>
-      <p:sp>
-        <p:nvSpPr>
-          <p:cNvPr id="2" name="Título 1"/>
-          <p:cNvSpPr>
-            <a:spLocks noGrp="1"/>
-          </p:cNvSpPr>
-          <p:nvPr>
-            <p:ph type="title"/>
-          </p:nvPr>
-        </p:nvSpPr>
-        <p:spPr/>
-        <p:txBody>
-          <a:bodyPr rtlCol="0"/>
-          <a:lstStyle/>
-          <a:p>
-            <a:pPr rtl="0"/>
-            <a:r>
-              <a:rPr lang="es-ES" dirty="0"/>
-              <a:t>AR sobre residuales de regresión</a:t>
-            </a:r>
-          </a:p>
-        </p:txBody>
-      </p:sp>
-      <p:sp>
-        <p:nvSpPr>
-          <p:cNvPr id="3" name="Marcador de posición de texto 2"/>
-          <p:cNvSpPr>
-            <a:spLocks noGrp="1"/>
-          </p:cNvSpPr>
-          <p:nvPr>
-            <p:ph type="body" idx="1"/>
-          </p:nvPr>
-        </p:nvSpPr>
-        <p:spPr>
-          <a:xfrm>
-            <a:off x="2682062" y="1600200"/>
-            <a:ext cx="1856936" cy="823912"/>
-          </a:xfrm>
-        </p:spPr>
-        <p:txBody>
-          <a:bodyPr rtlCol="0"/>
-          <a:lstStyle/>
-          <a:p>
-            <a:pPr rtl="0"/>
-            <a:r>
-              <a:rPr lang="es-ES" dirty="0"/>
-              <a:t>Residuales</a:t>
-            </a:r>
-          </a:p>
-        </p:txBody>
-      </p:sp>
-      <p:sp>
-        <p:nvSpPr>
-          <p:cNvPr id="5" name="Marcador de posición de texto 4"/>
-          <p:cNvSpPr>
-            <a:spLocks noGrp="1"/>
-          </p:cNvSpPr>
-          <p:nvPr>
-            <p:ph type="body" sz="quarter" idx="3"/>
-          </p:nvPr>
-        </p:nvSpPr>
-        <p:spPr>
-          <a:xfrm>
-            <a:off x="7050202" y="1543929"/>
-            <a:ext cx="4919472" cy="823912"/>
-          </a:xfrm>
-        </p:spPr>
-        <p:txBody>
-          <a:bodyPr rtlCol="0"/>
-          <a:lstStyle/>
-          <a:p>
-            <a:pPr rtl="0"/>
-            <a:r>
-              <a:rPr lang="es-ES" dirty="0"/>
-              <a:t>AR (1) sobre residuales</a:t>
-            </a:r>
-          </a:p>
-        </p:txBody>
-      </p:sp>
-      <p:pic>
-        <p:nvPicPr>
-          <p:cNvPr id="9" name="Imagen 8">
-            <a:extLst>
-              <a:ext uri="{FF2B5EF4-FFF2-40B4-BE49-F238E27FC236}">
-                <a16:creationId xmlns:a16="http://schemas.microsoft.com/office/drawing/2014/main" id="{27047667-009A-4838-AC6C-8A0AB4FF388B}"/>
-              </a:ext>
-            </a:extLst>
-          </p:cNvPr>
-          <p:cNvPicPr>
-            <a:picLocks noChangeAspect="1"/>
-          </p:cNvPicPr>
-          <p:nvPr/>
-        </p:nvPicPr>
-        <p:blipFill>
-          <a:blip r:embed="rId3"/>
-          <a:stretch>
-            <a:fillRect/>
-          </a:stretch>
-        </p:blipFill>
-        <p:spPr>
-          <a:xfrm>
-            <a:off x="681800" y="2509759"/>
-            <a:ext cx="5180765" cy="3233297"/>
-          </a:xfrm>
-          <a:prstGeom prst="rect">
-            <a:avLst/>
-          </a:prstGeom>
-        </p:spPr>
-      </p:pic>
-      <p:pic>
-        <p:nvPicPr>
-          <p:cNvPr id="12" name="Imagen 11">
-            <a:extLst>
-              <a:ext uri="{FF2B5EF4-FFF2-40B4-BE49-F238E27FC236}">
-                <a16:creationId xmlns:a16="http://schemas.microsoft.com/office/drawing/2014/main" id="{8B08B173-F531-43C8-8D1D-9449C40D4D50}"/>
-              </a:ext>
-            </a:extLst>
-          </p:cNvPr>
-          <p:cNvPicPr>
-            <a:picLocks noChangeAspect="1"/>
-          </p:cNvPicPr>
-          <p:nvPr/>
-        </p:nvPicPr>
-        <p:blipFill>
-          <a:blip r:embed="rId4"/>
-          <a:stretch>
-            <a:fillRect/>
-          </a:stretch>
-        </p:blipFill>
-        <p:spPr>
-          <a:xfrm>
-            <a:off x="6166110" y="2583758"/>
-            <a:ext cx="4919472" cy="3085298"/>
-          </a:xfrm>
-          <a:prstGeom prst="rect">
-            <a:avLst/>
-          </a:prstGeom>
-        </p:spPr>
-      </p:pic>
-    </p:spTree>
-    <p:extLst>
-      <p:ext uri="{BB962C8B-B14F-4D97-AF65-F5344CB8AC3E}">
-        <p14:creationId xmlns:p14="http://schemas.microsoft.com/office/powerpoint/2010/main" val="293915148"/>
       </p:ext>
     </p:extLst>
   </p:cSld>
@@ -18761,15 +19190,6 @@
 </file>
 
 <file path=customXml/item2.xml><?xml version="1.0" encoding="utf-8"?>
-<?mso-contentType ?>
-<FormTemplates xmlns="http://schemas.microsoft.com/sharepoint/v3/contenttype/forms">
-  <Display>DocumentLibraryForm</Display>
-  <Edit>AssetEditForm</Edit>
-  <New>DocumentLibraryForm</New>
-</FormTemplates>
-</file>
-
-<file path=customXml/item3.xml><?xml version="1.0" encoding="utf-8"?>
 <p:properties xmlns:p="http://schemas.microsoft.com/office/2006/metadata/properties" xmlns:xsi="http://www.w3.org/2001/XMLSchema-instance" xmlns:pc="http://schemas.microsoft.com/office/infopath/2007/PartnerControls">
   <documentManagement>
     <APDescription xmlns="4873beb7-5857-4685-be1f-d57550cc96cc" xsi:nil="true"/>
@@ -18895,6 +19315,15 @@
 </p:properties>
 </file>
 
+<file path=customXml/item3.xml><?xml version="1.0" encoding="utf-8"?>
+<?mso-contentType ?>
+<FormTemplates xmlns="http://schemas.microsoft.com/sharepoint/v3/contenttype/forms">
+  <Display>DocumentLibraryForm</Display>
+  <Edit>AssetEditForm</Edit>
+  <New>DocumentLibraryForm</New>
+</FormTemplates>
+</file>
+
 <file path=customXml/itemProps1.xml><?xml version="1.0" encoding="utf-8"?>
 <ds:datastoreItem xmlns:ds="http://schemas.openxmlformats.org/officeDocument/2006/customXml" ds:itemID="{28C8B9CA-0273-4370-889A-FC05DA5C2FA5}">
   <ds:schemaRefs>
@@ -18914,14 +19343,6 @@
 </file>
 
 <file path=customXml/itemProps2.xml><?xml version="1.0" encoding="utf-8"?>
-<ds:datastoreItem xmlns:ds="http://schemas.openxmlformats.org/officeDocument/2006/customXml" ds:itemID="{561E720F-F05D-4536-9C34-0CFCED65D3B7}">
-  <ds:schemaRefs>
-    <ds:schemaRef ds:uri="http://schemas.microsoft.com/sharepoint/v3/contenttype/forms"/>
-  </ds:schemaRefs>
-</ds:datastoreItem>
-</file>
-
-<file path=customXml/itemProps3.xml><?xml version="1.0" encoding="utf-8"?>
 <ds:datastoreItem xmlns:ds="http://schemas.openxmlformats.org/officeDocument/2006/customXml" ds:itemID="{8CDDBB83-77C1-4099-A0AA-289882E745E2}">
   <ds:schemaRefs>
     <ds:schemaRef ds:uri="http://schemas.microsoft.com/office/2006/metadata/properties"/>
@@ -18929,4 +19350,12 @@
     <ds:schemaRef ds:uri="4873beb7-5857-4685-be1f-d57550cc96cc"/>
   </ds:schemaRefs>
 </ds:datastoreItem>
+</file>
+
+<file path=customXml/itemProps3.xml><?xml version="1.0" encoding="utf-8"?>
+<ds:datastoreItem xmlns:ds="http://schemas.openxmlformats.org/officeDocument/2006/customXml" ds:itemID="{561E720F-F05D-4536-9C34-0CFCED65D3B7}">
+  <ds:schemaRefs>
+    <ds:schemaRef ds:uri="http://schemas.microsoft.com/sharepoint/v3/contenttype/forms"/>
+  </ds:schemaRefs>
+</ds:datastoreItem>
 </file>